--- a/AccurateDetect.pptx
+++ b/AccurateDetect.pptx
@@ -655,8 +655,8 @@
   </pc:docChgLst>
   <pc:docChgLst>
     <pc:chgData name="Tanay Patil" userId="6dd83a4f81c8bb01" providerId="LiveId" clId="{369D2DF4-8509-4FCE-A651-F4FFB3376D5B}"/>
-    <pc:docChg chg="modSld sldOrd">
-      <pc:chgData name="Tanay Patil" userId="6dd83a4f81c8bb01" providerId="LiveId" clId="{369D2DF4-8509-4FCE-A651-F4FFB3376D5B}" dt="2021-10-17T13:48:25.126" v="8"/>
+    <pc:docChg chg="undo custSel modSld sldOrd">
+      <pc:chgData name="Tanay Patil" userId="6dd83a4f81c8bb01" providerId="LiveId" clId="{369D2DF4-8509-4FCE-A651-F4FFB3376D5B}" dt="2021-10-17T16:03:29.833" v="27" actId="27636"/>
       <pc:docMkLst>
         <pc:docMk/>
       </pc:docMkLst>
@@ -689,6 +689,29 @@
             <ac:spMk id="21" creationId="{7F2A58BC-6A0A-F246-A9A6-95878AD382EF}"/>
           </ac:spMkLst>
         </pc:spChg>
+      </pc:sldChg>
+      <pc:sldChg chg="modSp mod">
+        <pc:chgData name="Tanay Patil" userId="6dd83a4f81c8bb01" providerId="LiveId" clId="{369D2DF4-8509-4FCE-A651-F4FFB3376D5B}" dt="2021-10-17T16:03:29.833" v="27" actId="27636"/>
+        <pc:sldMkLst>
+          <pc:docMk/>
+          <pc:sldMk cId="2244251735" sldId="282"/>
+        </pc:sldMkLst>
+        <pc:spChg chg="mod">
+          <ac:chgData name="Tanay Patil" userId="6dd83a4f81c8bb01" providerId="LiveId" clId="{369D2DF4-8509-4FCE-A651-F4FFB3376D5B}" dt="2021-10-17T16:03:29.833" v="27" actId="27636"/>
+          <ac:spMkLst>
+            <pc:docMk/>
+            <pc:sldMk cId="2244251735" sldId="282"/>
+            <ac:spMk id="2" creationId="{00000000-0000-0000-0000-000000000000}"/>
+          </ac:spMkLst>
+        </pc:spChg>
+        <pc:grpChg chg="mod">
+          <ac:chgData name="Tanay Patil" userId="6dd83a4f81c8bb01" providerId="LiveId" clId="{369D2DF4-8509-4FCE-A651-F4FFB3376D5B}" dt="2021-10-17T16:03:16.422" v="10" actId="1076"/>
+          <ac:grpSpMkLst>
+            <pc:docMk/>
+            <pc:sldMk cId="2244251735" sldId="282"/>
+            <ac:grpSpMk id="19" creationId="{2D076977-4794-8C42-8853-5A4D4376BC4A}"/>
+          </ac:grpSpMkLst>
+        </pc:grpChg>
       </pc:sldChg>
       <pc:sldChg chg="modSp mod">
         <pc:chgData name="Tanay Patil" userId="6dd83a4f81c8bb01" providerId="LiveId" clId="{369D2DF4-8509-4FCE-A651-F4FFB3376D5B}" dt="2021-10-17T13:36:24.492" v="1" actId="255"/>
@@ -20296,17 +20319,22 @@
         </p:nvSpPr>
         <p:spPr/>
         <p:txBody>
-          <a:bodyPr/>
+          <a:bodyPr>
+            <a:normAutofit/>
+          </a:bodyPr>
           <a:lstStyle/>
           <a:p>
             <a:pPr algn="l"/>
             <a:r>
-              <a:rPr lang="en-US" dirty="0" err="1"/>
-              <a:t>AccurateDetect</a:t>
+              <a:rPr lang="en-US" dirty="0"/>
+              <a:t>AccurateDetect </a:t>
             </a:r>
+            <a:br>
+              <a:rPr lang="en-US" dirty="0"/>
+            </a:br>
             <a:r>
               <a:rPr lang="en-US" dirty="0"/>
-              <a:t> Accuracy Optimization</a:t>
+              <a:t>Accuracy Comparison</a:t>
             </a:r>
           </a:p>
         </p:txBody>
@@ -37230,7 +37258,7 @@
           <p:nvPr/>
         </p:nvPicPr>
         <p:blipFill rotWithShape="1">
-          <a:blip r:embed="rId2"/>
+          <a:blip r:embed="rId5"/>
           <a:srcRect l="3264" r="61347" b="12042"/>
           <a:stretch/>
         </p:blipFill>
